--- a/weekly_team_presentation/Week6_Presentation.pptx
+++ b/weekly_team_presentation/Week6_Presentation.pptx
@@ -18,16 +18,17 @@
     <p:sldId id="263" r:id="rId14"/>
     <p:sldId id="264" r:id="rId15"/>
     <p:sldId id="265" r:id="rId16"/>
+    <p:sldId id="266" r:id="rId17"/>
   </p:sldIdLst>
   <p:sldSz cy="5143500" cx="9144000"/>
   <p:notesSz cx="6858000" cy="9144000"/>
   <p:embeddedFontLst>
     <p:embeddedFont>
       <p:font typeface="Nunito"/>
-      <p:regular r:id="rId17"/>
-      <p:bold r:id="rId18"/>
-      <p:italic r:id="rId19"/>
-      <p:boldItalic r:id="rId20"/>
+      <p:regular r:id="rId18"/>
+      <p:bold r:id="rId19"/>
+      <p:italic r:id="rId20"/>
+      <p:boldItalic r:id="rId21"/>
     </p:embeddedFont>
   </p:embeddedFontLst>
   <p:defaultTextStyle>
@@ -275,7 +276,7 @@
       </p15:sldGuideLst>
     </p:ext>
     <p:ext uri="http://customooxmlschemas.google.com/">
-      <go:slidesCustomData xmlns:go="http://customooxmlschemas.google.com/" r:id="rId21" roundtripDataSignature="AMtx7mhmFte4a0ffDRNb0NEwRduuVS6Fng=="/>
+      <go:slidesCustomData xmlns:go="http://customooxmlschemas.google.com/" r:id="rId22" roundtripDataSignature="AMtx7mgFNneDYIxGMK3Gaa/Xt4t17zaKcg=="/>
     </p:ext>
   </p:extLst>
 </p:presentation>
@@ -964,7 +965,7 @@
   <p:cSld>
     <p:spTree>
       <p:nvGrpSpPr>
-        <p:cNvPr id="197" name="Shape 197"/>
+        <p:cNvPr id="201" name="Shape 201"/>
         <p:cNvGrpSpPr/>
         <p:nvPr/>
       </p:nvGrpSpPr>
@@ -978,7 +979,106 @@
       </p:grpSpPr>
       <p:sp>
         <p:nvSpPr>
-          <p:cNvPr id="198" name="Google Shape;198;g210fed7a365_5_0:notes"/>
+          <p:cNvPr id="202" name="Google Shape;202;g1f5fd190fb6_2_0:notes"/>
+          <p:cNvSpPr/>
+          <p:nvPr>
+            <p:ph idx="2" type="sldImg"/>
+          </p:nvPr>
+        </p:nvSpPr>
+        <p:spPr>
+          <a:xfrm>
+            <a:off x="381300" y="685800"/>
+            <a:ext cx="6096000" cy="3429000"/>
+          </a:xfrm>
+          <a:custGeom>
+            <a:rect b="b" l="l" r="r" t="t"/>
+            <a:pathLst>
+              <a:path extrusionOk="0" h="120000" w="120000">
+                <a:moveTo>
+                  <a:pt x="0" y="0"/>
+                </a:moveTo>
+                <a:lnTo>
+                  <a:pt x="120000" y="0"/>
+                </a:lnTo>
+                <a:lnTo>
+                  <a:pt x="120000" y="120000"/>
+                </a:lnTo>
+                <a:lnTo>
+                  <a:pt x="0" y="120000"/>
+                </a:lnTo>
+                <a:close/>
+              </a:path>
+            </a:pathLst>
+          </a:custGeom>
+        </p:spPr>
+      </p:sp>
+      <p:sp>
+        <p:nvSpPr>
+          <p:cNvPr id="203" name="Google Shape;203;g1f5fd190fb6_2_0:notes"/>
+          <p:cNvSpPr txBox="1"/>
+          <p:nvPr>
+            <p:ph idx="1" type="body"/>
+          </p:nvPr>
+        </p:nvSpPr>
+        <p:spPr>
+          <a:xfrm>
+            <a:off x="685800" y="4343400"/>
+            <a:ext cx="5486400" cy="4114800"/>
+          </a:xfrm>
+          <a:prstGeom prst="rect">
+            <a:avLst/>
+          </a:prstGeom>
+        </p:spPr>
+        <p:txBody>
+          <a:bodyPr anchorCtr="0" anchor="t" bIns="91425" lIns="91425" spcFirstLastPara="1" rIns="91425" wrap="square" tIns="91425">
+            <a:noAutofit/>
+          </a:bodyPr>
+          <a:lstStyle/>
+          <a:p>
+            <a:pPr indent="0" lvl="0" marL="0" rtl="0" algn="l">
+              <a:spcBef>
+                <a:spcPts val="0"/>
+              </a:spcBef>
+              <a:spcAft>
+                <a:spcPts val="0"/>
+              </a:spcAft>
+              <a:buNone/>
+            </a:pPr>
+            <a:r>
+              <a:t/>
+            </a:r>
+            <a:endParaRPr/>
+          </a:p>
+        </p:txBody>
+      </p:sp>
+    </p:spTree>
+  </p:cSld>
+  <p:clrMapOvr>
+    <a:masterClrMapping/>
+  </p:clrMapOvr>
+</p:notes>
+</file>
+
+<file path=ppt/notesSlides/notesSlide11.xml><?xml version="1.0" encoding="utf-8"?>
+<p:notes xmlns:a="http://schemas.openxmlformats.org/drawingml/2006/main" xmlns:r="http://schemas.openxmlformats.org/officeDocument/2006/relationships" xmlns:mc="http://schemas.openxmlformats.org/markup-compatibility/2006" xmlns:mv="urn:schemas-microsoft-com:mac:vml" xmlns:p="http://schemas.openxmlformats.org/presentationml/2006/main" xmlns:c="http://schemas.openxmlformats.org/drawingml/2006/chart" xmlns:dgm="http://schemas.openxmlformats.org/drawingml/2006/diagram" xmlns:o="urn:schemas-microsoft-com:office:office" xmlns:v="urn:schemas-microsoft-com:vml" xmlns:pvml="urn:schemas-microsoft-com:office:powerpoint" xmlns:com="http://schemas.openxmlformats.org/drawingml/2006/compatibility" xmlns:p14="http://schemas.microsoft.com/office/powerpoint/2010/main" xmlns:p15="http://schemas.microsoft.com/office/powerpoint/2012/main" xmlns:ahyp="http://schemas.microsoft.com/office/drawing/2018/hyperlinkcolor" showMasterPhAnim="0" showMasterSp="0">
+  <p:cSld>
+    <p:spTree>
+      <p:nvGrpSpPr>
+        <p:cNvPr id="207" name="Shape 207"/>
+        <p:cNvGrpSpPr/>
+        <p:nvPr/>
+      </p:nvGrpSpPr>
+      <p:grpSpPr>
+        <a:xfrm>
+          <a:off x="0" y="0"/>
+          <a:ext cx="0" cy="0"/>
+          <a:chOff x="0" y="0"/>
+          <a:chExt cx="0" cy="0"/>
+        </a:xfrm>
+      </p:grpSpPr>
+      <p:sp>
+        <p:nvSpPr>
+          <p:cNvPr id="208" name="Google Shape;208;g210fed7a365_5_0:notes"/>
           <p:cNvSpPr/>
           <p:nvPr>
             <p:ph idx="2" type="sldImg"/>
@@ -1023,7 +1123,7 @@
       </p:sp>
       <p:sp>
         <p:nvSpPr>
-          <p:cNvPr id="199" name="Google Shape;199;g210fed7a365_5_0:notes"/>
+          <p:cNvPr id="209" name="Google Shape;209;g210fed7a365_5_0:notes"/>
           <p:cNvSpPr txBox="1"/>
           <p:nvPr>
             <p:ph idx="1" type="body"/>
@@ -1545,7 +1645,106 @@
       </p:grpSpPr>
       <p:sp>
         <p:nvSpPr>
-          <p:cNvPr id="165" name="Google Shape;165;g20fc52bca11_0_5:notes"/>
+          <p:cNvPr id="165" name="Google Shape;165;g1f601cff8e9_1_0:notes"/>
+          <p:cNvSpPr/>
+          <p:nvPr>
+            <p:ph idx="2" type="sldImg"/>
+          </p:nvPr>
+        </p:nvSpPr>
+        <p:spPr>
+          <a:xfrm>
+            <a:off x="381300" y="685800"/>
+            <a:ext cx="6096000" cy="3429000"/>
+          </a:xfrm>
+          <a:custGeom>
+            <a:rect b="b" l="l" r="r" t="t"/>
+            <a:pathLst>
+              <a:path extrusionOk="0" h="120000" w="120000">
+                <a:moveTo>
+                  <a:pt x="0" y="0"/>
+                </a:moveTo>
+                <a:lnTo>
+                  <a:pt x="120000" y="0"/>
+                </a:lnTo>
+                <a:lnTo>
+                  <a:pt x="120000" y="120000"/>
+                </a:lnTo>
+                <a:lnTo>
+                  <a:pt x="0" y="120000"/>
+                </a:lnTo>
+                <a:close/>
+              </a:path>
+            </a:pathLst>
+          </a:custGeom>
+        </p:spPr>
+      </p:sp>
+      <p:sp>
+        <p:nvSpPr>
+          <p:cNvPr id="166" name="Google Shape;166;g1f601cff8e9_1_0:notes"/>
+          <p:cNvSpPr txBox="1"/>
+          <p:nvPr>
+            <p:ph idx="1" type="body"/>
+          </p:nvPr>
+        </p:nvSpPr>
+        <p:spPr>
+          <a:xfrm>
+            <a:off x="685800" y="4343400"/>
+            <a:ext cx="5486400" cy="4114800"/>
+          </a:xfrm>
+          <a:prstGeom prst="rect">
+            <a:avLst/>
+          </a:prstGeom>
+        </p:spPr>
+        <p:txBody>
+          <a:bodyPr anchorCtr="0" anchor="t" bIns="91425" lIns="91425" spcFirstLastPara="1" rIns="91425" wrap="square" tIns="91425">
+            <a:noAutofit/>
+          </a:bodyPr>
+          <a:lstStyle/>
+          <a:p>
+            <a:pPr indent="0" lvl="0" marL="0" rtl="0" algn="l">
+              <a:spcBef>
+                <a:spcPts val="0"/>
+              </a:spcBef>
+              <a:spcAft>
+                <a:spcPts val="0"/>
+              </a:spcAft>
+              <a:buNone/>
+            </a:pPr>
+            <a:r>
+              <a:t/>
+            </a:r>
+            <a:endParaRPr/>
+          </a:p>
+        </p:txBody>
+      </p:sp>
+    </p:spTree>
+  </p:cSld>
+  <p:clrMapOvr>
+    <a:masterClrMapping/>
+  </p:clrMapOvr>
+</p:notes>
+</file>
+
+<file path=ppt/notesSlides/notesSlide7.xml><?xml version="1.0" encoding="utf-8"?>
+<p:notes xmlns:a="http://schemas.openxmlformats.org/drawingml/2006/main" xmlns:r="http://schemas.openxmlformats.org/officeDocument/2006/relationships" xmlns:mc="http://schemas.openxmlformats.org/markup-compatibility/2006" xmlns:mv="urn:schemas-microsoft-com:mac:vml" xmlns:p="http://schemas.openxmlformats.org/presentationml/2006/main" xmlns:c="http://schemas.openxmlformats.org/drawingml/2006/chart" xmlns:dgm="http://schemas.openxmlformats.org/drawingml/2006/diagram" xmlns:o="urn:schemas-microsoft-com:office:office" xmlns:v="urn:schemas-microsoft-com:vml" xmlns:pvml="urn:schemas-microsoft-com:office:powerpoint" xmlns:com="http://schemas.openxmlformats.org/drawingml/2006/compatibility" xmlns:p14="http://schemas.microsoft.com/office/powerpoint/2010/main" xmlns:p15="http://schemas.microsoft.com/office/powerpoint/2012/main" xmlns:ahyp="http://schemas.microsoft.com/office/drawing/2018/hyperlinkcolor" showMasterPhAnim="0" showMasterSp="0">
+  <p:cSld>
+    <p:spTree>
+      <p:nvGrpSpPr>
+        <p:cNvPr id="174" name="Shape 174"/>
+        <p:cNvGrpSpPr/>
+        <p:nvPr/>
+      </p:nvGrpSpPr>
+      <p:grpSpPr>
+        <a:xfrm>
+          <a:off x="0" y="0"/>
+          <a:ext cx="0" cy="0"/>
+          <a:chOff x="0" y="0"/>
+          <a:chExt cx="0" cy="0"/>
+        </a:xfrm>
+      </p:grpSpPr>
+      <p:sp>
+        <p:nvSpPr>
+          <p:cNvPr id="175" name="Google Shape;175;g20fc52bca11_0_5:notes"/>
           <p:cNvSpPr/>
           <p:nvPr>
             <p:ph idx="2" type="sldImg"/>
@@ -1590,7 +1789,7 @@
       </p:sp>
       <p:sp>
         <p:nvSpPr>
-          <p:cNvPr id="166" name="Google Shape;166;g20fc52bca11_0_5:notes"/>
+          <p:cNvPr id="176" name="Google Shape;176;g20fc52bca11_0_5:notes"/>
           <p:cNvSpPr txBox="1"/>
           <p:nvPr>
             <p:ph idx="1" type="body"/>
@@ -1643,12 +1842,12 @@
 </p:notes>
 </file>
 
-<file path=ppt/notesSlides/notesSlide7.xml><?xml version="1.0" encoding="utf-8"?>
+<file path=ppt/notesSlides/notesSlide8.xml><?xml version="1.0" encoding="utf-8"?>
 <p:notes xmlns:a="http://schemas.openxmlformats.org/drawingml/2006/main" xmlns:r="http://schemas.openxmlformats.org/officeDocument/2006/relationships" xmlns:mc="http://schemas.openxmlformats.org/markup-compatibility/2006" xmlns:mv="urn:schemas-microsoft-com:mac:vml" xmlns:p="http://schemas.openxmlformats.org/presentationml/2006/main" xmlns:c="http://schemas.openxmlformats.org/drawingml/2006/chart" xmlns:dgm="http://schemas.openxmlformats.org/drawingml/2006/diagram" xmlns:o="urn:schemas-microsoft-com:office:office" xmlns:v="urn:schemas-microsoft-com:vml" xmlns:pvml="urn:schemas-microsoft-com:office:powerpoint" xmlns:com="http://schemas.openxmlformats.org/drawingml/2006/compatibility" xmlns:p14="http://schemas.microsoft.com/office/powerpoint/2010/main" xmlns:p15="http://schemas.microsoft.com/office/powerpoint/2012/main" xmlns:ahyp="http://schemas.microsoft.com/office/drawing/2018/hyperlinkcolor" showMasterPhAnim="0" showMasterSp="0">
   <p:cSld>
     <p:spTree>
       <p:nvGrpSpPr>
-        <p:cNvPr id="176" name="Shape 176"/>
+        <p:cNvPr id="186" name="Shape 186"/>
         <p:cNvGrpSpPr/>
         <p:nvPr/>
       </p:nvGrpSpPr>
@@ -1662,7 +1861,7 @@
       </p:grpSpPr>
       <p:sp>
         <p:nvSpPr>
-          <p:cNvPr id="177" name="Google Shape;177;g1f437762a9f_0_3:notes"/>
+          <p:cNvPr id="187" name="Google Shape;187;g1f437762a9f_0_3:notes"/>
           <p:cNvSpPr/>
           <p:nvPr>
             <p:ph idx="2" type="sldImg"/>
@@ -1707,7 +1906,7 @@
       </p:sp>
       <p:sp>
         <p:nvSpPr>
-          <p:cNvPr id="178" name="Google Shape;178;g1f437762a9f_0_3:notes"/>
+          <p:cNvPr id="188" name="Google Shape;188;g1f437762a9f_0_3:notes"/>
           <p:cNvSpPr txBox="1"/>
           <p:nvPr>
             <p:ph idx="1" type="body"/>
@@ -1760,12 +1959,12 @@
 </p:notes>
 </file>
 
-<file path=ppt/notesSlides/notesSlide8.xml><?xml version="1.0" encoding="utf-8"?>
+<file path=ppt/notesSlides/notesSlide9.xml><?xml version="1.0" encoding="utf-8"?>
 <p:notes xmlns:a="http://schemas.openxmlformats.org/drawingml/2006/main" xmlns:r="http://schemas.openxmlformats.org/officeDocument/2006/relationships" xmlns:mc="http://schemas.openxmlformats.org/markup-compatibility/2006" xmlns:mv="urn:schemas-microsoft-com:mac:vml" xmlns:p="http://schemas.openxmlformats.org/presentationml/2006/main" xmlns:c="http://schemas.openxmlformats.org/drawingml/2006/chart" xmlns:dgm="http://schemas.openxmlformats.org/drawingml/2006/diagram" xmlns:o="urn:schemas-microsoft-com:office:office" xmlns:v="urn:schemas-microsoft-com:vml" xmlns:pvml="urn:schemas-microsoft-com:office:powerpoint" xmlns:com="http://schemas.openxmlformats.org/drawingml/2006/compatibility" xmlns:p14="http://schemas.microsoft.com/office/powerpoint/2010/main" xmlns:p15="http://schemas.microsoft.com/office/powerpoint/2012/main" xmlns:ahyp="http://schemas.microsoft.com/office/drawing/2018/hyperlinkcolor" showMasterPhAnim="0" showMasterSp="0">
   <p:cSld>
     <p:spTree>
       <p:nvGrpSpPr>
-        <p:cNvPr id="185" name="Shape 185"/>
+        <p:cNvPr id="195" name="Shape 195"/>
         <p:cNvGrpSpPr/>
         <p:nvPr/>
       </p:nvGrpSpPr>
@@ -1779,7 +1978,7 @@
       </p:grpSpPr>
       <p:sp>
         <p:nvSpPr>
-          <p:cNvPr id="186" name="Google Shape;186;g1f5f20614c3_0_24:notes"/>
+          <p:cNvPr id="196" name="Google Shape;196;g1f5f20614c3_0_24:notes"/>
           <p:cNvSpPr/>
           <p:nvPr>
             <p:ph idx="2" type="sldImg"/>
@@ -1814,106 +2013,7 @@
       </p:sp>
       <p:sp>
         <p:nvSpPr>
-          <p:cNvPr id="187" name="Google Shape;187;g1f5f20614c3_0_24:notes"/>
-          <p:cNvSpPr txBox="1"/>
-          <p:nvPr>
-            <p:ph idx="1" type="body"/>
-          </p:nvPr>
-        </p:nvSpPr>
-        <p:spPr>
-          <a:xfrm>
-            <a:off x="685800" y="4343400"/>
-            <a:ext cx="5486400" cy="4114800"/>
-          </a:xfrm>
-          <a:prstGeom prst="rect">
-            <a:avLst/>
-          </a:prstGeom>
-        </p:spPr>
-        <p:txBody>
-          <a:bodyPr anchorCtr="0" anchor="t" bIns="91425" lIns="91425" spcFirstLastPara="1" rIns="91425" wrap="square" tIns="91425">
-            <a:noAutofit/>
-          </a:bodyPr>
-          <a:lstStyle/>
-          <a:p>
-            <a:pPr indent="0" lvl="0" marL="0" rtl="0" algn="l">
-              <a:spcBef>
-                <a:spcPts val="0"/>
-              </a:spcBef>
-              <a:spcAft>
-                <a:spcPts val="0"/>
-              </a:spcAft>
-              <a:buNone/>
-            </a:pPr>
-            <a:r>
-              <a:t/>
-            </a:r>
-            <a:endParaRPr/>
-          </a:p>
-        </p:txBody>
-      </p:sp>
-    </p:spTree>
-  </p:cSld>
-  <p:clrMapOvr>
-    <a:masterClrMapping/>
-  </p:clrMapOvr>
-</p:notes>
-</file>
-
-<file path=ppt/notesSlides/notesSlide9.xml><?xml version="1.0" encoding="utf-8"?>
-<p:notes xmlns:a="http://schemas.openxmlformats.org/drawingml/2006/main" xmlns:r="http://schemas.openxmlformats.org/officeDocument/2006/relationships" xmlns:mc="http://schemas.openxmlformats.org/markup-compatibility/2006" xmlns:mv="urn:schemas-microsoft-com:mac:vml" xmlns:p="http://schemas.openxmlformats.org/presentationml/2006/main" xmlns:c="http://schemas.openxmlformats.org/drawingml/2006/chart" xmlns:dgm="http://schemas.openxmlformats.org/drawingml/2006/diagram" xmlns:o="urn:schemas-microsoft-com:office:office" xmlns:v="urn:schemas-microsoft-com:vml" xmlns:pvml="urn:schemas-microsoft-com:office:powerpoint" xmlns:com="http://schemas.openxmlformats.org/drawingml/2006/compatibility" xmlns:p14="http://schemas.microsoft.com/office/powerpoint/2010/main" xmlns:p15="http://schemas.microsoft.com/office/powerpoint/2012/main" xmlns:ahyp="http://schemas.microsoft.com/office/drawing/2018/hyperlinkcolor" showMasterPhAnim="0" showMasterSp="0">
-  <p:cSld>
-    <p:spTree>
-      <p:nvGrpSpPr>
-        <p:cNvPr id="191" name="Shape 191"/>
-        <p:cNvGrpSpPr/>
-        <p:nvPr/>
-      </p:nvGrpSpPr>
-      <p:grpSpPr>
-        <a:xfrm>
-          <a:off x="0" y="0"/>
-          <a:ext cx="0" cy="0"/>
-          <a:chOff x="0" y="0"/>
-          <a:chExt cx="0" cy="0"/>
-        </a:xfrm>
-      </p:grpSpPr>
-      <p:sp>
-        <p:nvSpPr>
-          <p:cNvPr id="192" name="Google Shape;192;g1f5fd190fb6_2_0:notes"/>
-          <p:cNvSpPr/>
-          <p:nvPr>
-            <p:ph idx="2" type="sldImg"/>
-          </p:nvPr>
-        </p:nvSpPr>
-        <p:spPr>
-          <a:xfrm>
-            <a:off x="381300" y="685800"/>
-            <a:ext cx="6096000" cy="3429000"/>
-          </a:xfrm>
-          <a:custGeom>
-            <a:rect b="b" l="l" r="r" t="t"/>
-            <a:pathLst>
-              <a:path extrusionOk="0" h="120000" w="120000">
-                <a:moveTo>
-                  <a:pt x="0" y="0"/>
-                </a:moveTo>
-                <a:lnTo>
-                  <a:pt x="120000" y="0"/>
-                </a:lnTo>
-                <a:lnTo>
-                  <a:pt x="120000" y="120000"/>
-                </a:lnTo>
-                <a:lnTo>
-                  <a:pt x="0" y="120000"/>
-                </a:lnTo>
-                <a:close/>
-              </a:path>
-            </a:pathLst>
-          </a:custGeom>
-        </p:spPr>
-      </p:sp>
-      <p:sp>
-        <p:nvSpPr>
-          <p:cNvPr id="193" name="Google Shape;193;g1f5fd190fb6_2_0:notes"/>
+          <p:cNvPr id="197" name="Google Shape;197;g1f5f20614c3_0_24:notes"/>
           <p:cNvSpPr txBox="1"/>
           <p:nvPr>
             <p:ph idx="1" type="body"/>
@@ -14039,7 +14139,7 @@
   <p:cSld>
     <p:spTree>
       <p:nvGrpSpPr>
-        <p:cNvPr id="200" name="Shape 200"/>
+        <p:cNvPr id="204" name="Shape 204"/>
         <p:cNvGrpSpPr/>
         <p:nvPr/>
       </p:nvGrpSpPr>
@@ -14053,7 +14153,172 @@
       </p:grpSpPr>
       <p:sp>
         <p:nvSpPr>
-          <p:cNvPr id="201" name="Google Shape;201;g210fed7a365_5_0"/>
+          <p:cNvPr id="205" name="Google Shape;205;g1f5fd190fb6_2_0"/>
+          <p:cNvSpPr txBox="1"/>
+          <p:nvPr>
+            <p:ph type="title"/>
+          </p:nvPr>
+        </p:nvSpPr>
+        <p:spPr>
+          <a:xfrm>
+            <a:off x="819150" y="845600"/>
+            <a:ext cx="7505700" cy="954600"/>
+          </a:xfrm>
+          <a:prstGeom prst="rect">
+            <a:avLst/>
+          </a:prstGeom>
+        </p:spPr>
+        <p:txBody>
+          <a:bodyPr anchorCtr="0" anchor="t" bIns="91425" lIns="91425" spcFirstLastPara="1" rIns="91425" wrap="square" tIns="91425">
+            <a:normAutofit/>
+          </a:bodyPr>
+          <a:lstStyle/>
+          <a:p>
+            <a:pPr indent="0" lvl="0" marL="0" rtl="0" algn="l">
+              <a:spcBef>
+                <a:spcPts val="0"/>
+              </a:spcBef>
+              <a:spcAft>
+                <a:spcPts val="0"/>
+              </a:spcAft>
+              <a:buNone/>
+            </a:pPr>
+            <a:r>
+              <a:rPr lang="zh-CN"/>
+              <a:t>Feedback from The Librarians</a:t>
+            </a:r>
+            <a:endParaRPr/>
+          </a:p>
+        </p:txBody>
+      </p:sp>
+      <p:sp>
+        <p:nvSpPr>
+          <p:cNvPr id="206" name="Google Shape;206;g1f5fd190fb6_2_0"/>
+          <p:cNvSpPr txBox="1"/>
+          <p:nvPr>
+            <p:ph idx="1" type="body"/>
+          </p:nvPr>
+        </p:nvSpPr>
+        <p:spPr>
+          <a:xfrm>
+            <a:off x="819150" y="1914525"/>
+            <a:ext cx="7505700" cy="2448000"/>
+          </a:xfrm>
+          <a:prstGeom prst="rect">
+            <a:avLst/>
+          </a:prstGeom>
+        </p:spPr>
+        <p:txBody>
+          <a:bodyPr anchorCtr="0" anchor="t" bIns="91425" lIns="91425" spcFirstLastPara="1" rIns="91425" wrap="square" tIns="91425">
+            <a:normAutofit/>
+          </a:bodyPr>
+          <a:lstStyle/>
+          <a:p>
+            <a:pPr indent="-330200" lvl="0" marL="457200" rtl="0" algn="l">
+              <a:spcBef>
+                <a:spcPts val="0"/>
+              </a:spcBef>
+              <a:spcAft>
+                <a:spcPts val="0"/>
+              </a:spcAft>
+              <a:buSzPts val="1600"/>
+              <a:buChar char="●"/>
+            </a:pPr>
+            <a:r>
+              <a:rPr lang="zh-CN" sz="1600"/>
+              <a:t>Kyle </a:t>
+            </a:r>
+            <a:endParaRPr sz="1600"/>
+          </a:p>
+          <a:p>
+            <a:pPr indent="-330200" lvl="1" marL="914400" rtl="0" algn="l">
+              <a:spcBef>
+                <a:spcPts val="0"/>
+              </a:spcBef>
+              <a:spcAft>
+                <a:spcPts val="0"/>
+              </a:spcAft>
+              <a:buSzPts val="1600"/>
+              <a:buChar char="○"/>
+            </a:pPr>
+            <a:r>
+              <a:rPr lang="zh-CN" sz="1600"/>
+              <a:t>Overall great work so far. Since we have a Flask app as well, I would be interested to see a more detailed Testing Plan. </a:t>
+            </a:r>
+            <a:endParaRPr sz="1600"/>
+          </a:p>
+          <a:p>
+            <a:pPr indent="-330200" lvl="0" marL="457200" rtl="0" algn="l">
+              <a:spcBef>
+                <a:spcPts val="0"/>
+              </a:spcBef>
+              <a:spcAft>
+                <a:spcPts val="0"/>
+              </a:spcAft>
+              <a:buSzPts val="1600"/>
+              <a:buChar char="●"/>
+            </a:pPr>
+            <a:r>
+              <a:rPr lang="zh-CN" sz="1600"/>
+              <a:t>Dexter</a:t>
+            </a:r>
+            <a:endParaRPr sz="1600"/>
+          </a:p>
+          <a:p>
+            <a:pPr indent="-330200" lvl="1" marL="914400" rtl="0" algn="l">
+              <a:spcBef>
+                <a:spcPts val="0"/>
+              </a:spcBef>
+              <a:spcAft>
+                <a:spcPts val="0"/>
+              </a:spcAft>
+              <a:buSzPts val="1600"/>
+              <a:buChar char="○"/>
+            </a:pPr>
+            <a:r>
+              <a:rPr lang="zh-CN" sz="1600"/>
+              <a:t>Great job with the UI. I would love to see more stuff for </a:t>
+            </a:r>
+            <a:r>
+              <a:rPr lang="zh-CN" sz="1600"/>
+              <a:t>accessibility</a:t>
+            </a:r>
+            <a:r>
+              <a:rPr lang="zh-CN" sz="1600"/>
+              <a:t>. Stuff like changing the font size, font color, background color can allow a bigger varieties of users to use the website.</a:t>
+            </a:r>
+            <a:endParaRPr sz="1600"/>
+          </a:p>
+        </p:txBody>
+      </p:sp>
+    </p:spTree>
+  </p:cSld>
+  <p:clrMapOvr>
+    <a:masterClrMapping/>
+  </p:clrMapOvr>
+</p:sld>
+</file>
+
+<file path=ppt/slides/slide11.xml><?xml version="1.0" encoding="utf-8"?>
+<p:sld xmlns:a="http://schemas.openxmlformats.org/drawingml/2006/main" xmlns:r="http://schemas.openxmlformats.org/officeDocument/2006/relationships" xmlns:mc="http://schemas.openxmlformats.org/markup-compatibility/2006" xmlns:mv="urn:schemas-microsoft-com:mac:vml" xmlns:p="http://schemas.openxmlformats.org/presentationml/2006/main" xmlns:c="http://schemas.openxmlformats.org/drawingml/2006/chart" xmlns:dgm="http://schemas.openxmlformats.org/drawingml/2006/diagram" xmlns:o="urn:schemas-microsoft-com:office:office" xmlns:v="urn:schemas-microsoft-com:vml" xmlns:pvml="urn:schemas-microsoft-com:office:powerpoint" xmlns:com="http://schemas.openxmlformats.org/drawingml/2006/compatibility" xmlns:p14="http://schemas.microsoft.com/office/powerpoint/2010/main" xmlns:p15="http://schemas.microsoft.com/office/powerpoint/2012/main" xmlns:ahyp="http://schemas.microsoft.com/office/drawing/2018/hyperlinkcolor">
+  <p:cSld>
+    <p:spTree>
+      <p:nvGrpSpPr>
+        <p:cNvPr id="210" name="Shape 210"/>
+        <p:cNvGrpSpPr/>
+        <p:nvPr/>
+      </p:nvGrpSpPr>
+      <p:grpSpPr>
+        <a:xfrm>
+          <a:off x="0" y="0"/>
+          <a:ext cx="0" cy="0"/>
+          <a:chOff x="0" y="0"/>
+          <a:chExt cx="0" cy="0"/>
+        </a:xfrm>
+      </p:grpSpPr>
+      <p:sp>
+        <p:nvSpPr>
+          <p:cNvPr id="211" name="Google Shape;211;g210fed7a365_5_0"/>
           <p:cNvSpPr txBox="1"/>
           <p:nvPr>
             <p:ph type="title"/>
@@ -14139,7 +14404,7 @@
       </p:sp>
       <p:sp>
         <p:nvSpPr>
-          <p:cNvPr id="202" name="Google Shape;202;g210fed7a365_5_0"/>
+          <p:cNvPr id="212" name="Google Shape;212;g210fed7a365_5_0"/>
           <p:cNvSpPr txBox="1"/>
           <p:nvPr>
             <p:ph idx="1" type="body"/>
@@ -14244,7 +14509,7 @@
       </p:sp>
       <p:pic>
         <p:nvPicPr>
-          <p:cNvPr id="203" name="Google Shape;203;g210fed7a365_5_0"/>
+          <p:cNvPr id="213" name="Google Shape;213;g210fed7a365_5_0"/>
           <p:cNvPicPr preferRelativeResize="0"/>
           <p:nvPr/>
         </p:nvPicPr>
@@ -14663,7 +14928,7 @@
             <a:tbl>
               <a:tblPr>
                 <a:noFill/>
-                <a:tableStyleId>{FFDCCE1A-64B4-4E5A-AE51-8D2579FA4299}</a:tableStyleId>
+                <a:tableStyleId>{C02745E1-A3A6-453C-A076-10F612ABB353}</a:tableStyleId>
               </a:tblPr>
               <a:tblGrid>
                 <a:gridCol w="960500"/>
@@ -16334,7 +16599,284 @@
       </p:grpSpPr>
       <p:sp>
         <p:nvSpPr>
-          <p:cNvPr id="168" name="Google Shape;168;g20fc52bca11_0_5"/>
+          <p:cNvPr id="168" name="Google Shape;168;g1f601cff8e9_1_0"/>
+          <p:cNvSpPr txBox="1"/>
+          <p:nvPr>
+            <p:ph type="title"/>
+          </p:nvPr>
+        </p:nvSpPr>
+        <p:spPr>
+          <a:xfrm>
+            <a:off x="819150" y="845600"/>
+            <a:ext cx="7505700" cy="954600"/>
+          </a:xfrm>
+          <a:prstGeom prst="rect">
+            <a:avLst/>
+          </a:prstGeom>
+        </p:spPr>
+        <p:txBody>
+          <a:bodyPr anchorCtr="0" anchor="t" bIns="91425" lIns="91425" spcFirstLastPara="1" rIns="91425" wrap="square" tIns="91425">
+            <a:normAutofit/>
+          </a:bodyPr>
+          <a:lstStyle/>
+          <a:p>
+            <a:pPr indent="0" lvl="0" marL="0" rtl="0" algn="l">
+              <a:spcBef>
+                <a:spcPts val="0"/>
+              </a:spcBef>
+              <a:spcAft>
+                <a:spcPts val="0"/>
+              </a:spcAft>
+              <a:buNone/>
+            </a:pPr>
+            <a:r>
+              <a:rPr lang="zh-CN"/>
+              <a:t>Update</a:t>
+            </a:r>
+            <a:endParaRPr/>
+          </a:p>
+        </p:txBody>
+      </p:sp>
+      <p:sp>
+        <p:nvSpPr>
+          <p:cNvPr id="169" name="Google Shape;169;g1f601cff8e9_1_0"/>
+          <p:cNvSpPr txBox="1"/>
+          <p:nvPr>
+            <p:ph idx="1" type="body"/>
+          </p:nvPr>
+        </p:nvSpPr>
+        <p:spPr>
+          <a:xfrm>
+            <a:off x="819150" y="1500350"/>
+            <a:ext cx="7505700" cy="453300"/>
+          </a:xfrm>
+          <a:prstGeom prst="rect">
+            <a:avLst/>
+          </a:prstGeom>
+        </p:spPr>
+        <p:txBody>
+          <a:bodyPr anchorCtr="0" anchor="t" bIns="91425" lIns="91425" spcFirstLastPara="1" rIns="91425" wrap="square" tIns="91425">
+            <a:normAutofit/>
+          </a:bodyPr>
+          <a:lstStyle/>
+          <a:p>
+            <a:pPr indent="-311150" lvl="0" marL="457200" rtl="0" algn="l">
+              <a:spcBef>
+                <a:spcPts val="0"/>
+              </a:spcBef>
+              <a:spcAft>
+                <a:spcPts val="0"/>
+              </a:spcAft>
+              <a:buSzPts val="1300"/>
+              <a:buFont typeface="Times New Roman"/>
+              <a:buChar char="●"/>
+            </a:pPr>
+            <a:r>
+              <a:rPr b="1" lang="zh-CN">
+                <a:latin typeface="Times New Roman"/>
+                <a:ea typeface="Times New Roman"/>
+                <a:cs typeface="Times New Roman"/>
+                <a:sym typeface="Times New Roman"/>
+              </a:rPr>
+              <a:t>Fixed the problem of not having the correct answer</a:t>
+            </a:r>
+            <a:endParaRPr b="1">
+              <a:latin typeface="Times New Roman"/>
+              <a:ea typeface="Times New Roman"/>
+              <a:cs typeface="Times New Roman"/>
+              <a:sym typeface="Times New Roman"/>
+            </a:endParaRPr>
+          </a:p>
+        </p:txBody>
+      </p:sp>
+      <p:pic>
+        <p:nvPicPr>
+          <p:cNvPr id="170" name="Google Shape;170;g1f601cff8e9_1_0"/>
+          <p:cNvPicPr preferRelativeResize="0"/>
+          <p:nvPr/>
+        </p:nvPicPr>
+        <p:blipFill>
+          <a:blip r:embed="rId3">
+            <a:alphaModFix/>
+          </a:blip>
+          <a:stretch>
+            <a:fillRect/>
+          </a:stretch>
+        </p:blipFill>
+        <p:spPr>
+          <a:xfrm>
+            <a:off x="819150" y="2159061"/>
+            <a:ext cx="3296200" cy="1160125"/>
+          </a:xfrm>
+          <a:prstGeom prst="rect">
+            <a:avLst/>
+          </a:prstGeom>
+          <a:noFill/>
+          <a:ln>
+            <a:noFill/>
+          </a:ln>
+        </p:spPr>
+      </p:pic>
+      <p:pic>
+        <p:nvPicPr>
+          <p:cNvPr id="171" name="Google Shape;171;g1f601cff8e9_1_0"/>
+          <p:cNvPicPr preferRelativeResize="0"/>
+          <p:nvPr/>
+        </p:nvPicPr>
+        <p:blipFill>
+          <a:blip r:embed="rId4">
+            <a:alphaModFix/>
+          </a:blip>
+          <a:stretch>
+            <a:fillRect/>
+          </a:stretch>
+        </p:blipFill>
+        <p:spPr>
+          <a:xfrm>
+            <a:off x="4281188" y="2159038"/>
+            <a:ext cx="4333875" cy="1943100"/>
+          </a:xfrm>
+          <a:prstGeom prst="rect">
+            <a:avLst/>
+          </a:prstGeom>
+          <a:noFill/>
+          <a:ln>
+            <a:noFill/>
+          </a:ln>
+        </p:spPr>
+      </p:pic>
+      <p:sp>
+        <p:nvSpPr>
+          <p:cNvPr id="172" name="Google Shape;172;g1f601cff8e9_1_0"/>
+          <p:cNvSpPr txBox="1"/>
+          <p:nvPr/>
+        </p:nvSpPr>
+        <p:spPr>
+          <a:xfrm>
+            <a:off x="1704950" y="1887175"/>
+            <a:ext cx="1524600" cy="400200"/>
+          </a:xfrm>
+          <a:prstGeom prst="rect">
+            <a:avLst/>
+          </a:prstGeom>
+          <a:noFill/>
+          <a:ln>
+            <a:noFill/>
+          </a:ln>
+        </p:spPr>
+        <p:txBody>
+          <a:bodyPr anchorCtr="0" anchor="t" bIns="91425" lIns="91425" spcFirstLastPara="1" rIns="91425" wrap="square" tIns="91425">
+            <a:spAutoFit/>
+          </a:bodyPr>
+          <a:lstStyle/>
+          <a:p>
+            <a:pPr indent="0" lvl="0" marL="0" rtl="0" algn="l">
+              <a:spcBef>
+                <a:spcPts val="0"/>
+              </a:spcBef>
+              <a:spcAft>
+                <a:spcPts val="0"/>
+              </a:spcAft>
+              <a:buNone/>
+            </a:pPr>
+            <a:r>
+              <a:rPr lang="zh-CN">
+                <a:latin typeface="Calibri"/>
+                <a:ea typeface="Calibri"/>
+                <a:cs typeface="Calibri"/>
+                <a:sym typeface="Calibri"/>
+              </a:rPr>
+              <a:t>No correct answer</a:t>
+            </a:r>
+            <a:endParaRPr>
+              <a:latin typeface="Calibri"/>
+              <a:ea typeface="Calibri"/>
+              <a:cs typeface="Calibri"/>
+              <a:sym typeface="Calibri"/>
+            </a:endParaRPr>
+          </a:p>
+        </p:txBody>
+      </p:sp>
+      <p:sp>
+        <p:nvSpPr>
+          <p:cNvPr id="173" name="Google Shape;173;g1f601cff8e9_1_0"/>
+          <p:cNvSpPr txBox="1"/>
+          <p:nvPr/>
+        </p:nvSpPr>
+        <p:spPr>
+          <a:xfrm>
+            <a:off x="5685838" y="1887175"/>
+            <a:ext cx="1524600" cy="400200"/>
+          </a:xfrm>
+          <a:prstGeom prst="rect">
+            <a:avLst/>
+          </a:prstGeom>
+          <a:noFill/>
+          <a:ln>
+            <a:noFill/>
+          </a:ln>
+        </p:spPr>
+        <p:txBody>
+          <a:bodyPr anchorCtr="0" anchor="t" bIns="91425" lIns="91425" spcFirstLastPara="1" rIns="91425" wrap="square" tIns="91425">
+            <a:spAutoFit/>
+          </a:bodyPr>
+          <a:lstStyle/>
+          <a:p>
+            <a:pPr indent="0" lvl="0" marL="0" rtl="0" algn="l">
+              <a:spcBef>
+                <a:spcPts val="0"/>
+              </a:spcBef>
+              <a:spcAft>
+                <a:spcPts val="0"/>
+              </a:spcAft>
+              <a:buNone/>
+            </a:pPr>
+            <a:r>
+              <a:rPr lang="zh-CN">
+                <a:latin typeface="Calibri"/>
+                <a:ea typeface="Calibri"/>
+                <a:cs typeface="Calibri"/>
+                <a:sym typeface="Calibri"/>
+              </a:rPr>
+              <a:t>After change</a:t>
+            </a:r>
+            <a:endParaRPr>
+              <a:latin typeface="Calibri"/>
+              <a:ea typeface="Calibri"/>
+              <a:cs typeface="Calibri"/>
+              <a:sym typeface="Calibri"/>
+            </a:endParaRPr>
+          </a:p>
+        </p:txBody>
+      </p:sp>
+    </p:spTree>
+  </p:cSld>
+  <p:clrMapOvr>
+    <a:masterClrMapping/>
+  </p:clrMapOvr>
+</p:sld>
+</file>
+
+<file path=ppt/slides/slide7.xml><?xml version="1.0" encoding="utf-8"?>
+<p:sld xmlns:a="http://schemas.openxmlformats.org/drawingml/2006/main" xmlns:r="http://schemas.openxmlformats.org/officeDocument/2006/relationships" xmlns:mc="http://schemas.openxmlformats.org/markup-compatibility/2006" xmlns:mv="urn:schemas-microsoft-com:mac:vml" xmlns:p="http://schemas.openxmlformats.org/presentationml/2006/main" xmlns:c="http://schemas.openxmlformats.org/drawingml/2006/chart" xmlns:dgm="http://schemas.openxmlformats.org/drawingml/2006/diagram" xmlns:o="urn:schemas-microsoft-com:office:office" xmlns:v="urn:schemas-microsoft-com:vml" xmlns:pvml="urn:schemas-microsoft-com:office:powerpoint" xmlns:com="http://schemas.openxmlformats.org/drawingml/2006/compatibility" xmlns:p14="http://schemas.microsoft.com/office/powerpoint/2010/main" xmlns:p15="http://schemas.microsoft.com/office/powerpoint/2012/main" xmlns:ahyp="http://schemas.microsoft.com/office/drawing/2018/hyperlinkcolor">
+  <p:cSld>
+    <p:spTree>
+      <p:nvGrpSpPr>
+        <p:cNvPr id="177" name="Shape 177"/>
+        <p:cNvGrpSpPr/>
+        <p:nvPr/>
+      </p:nvGrpSpPr>
+      <p:grpSpPr>
+        <a:xfrm>
+          <a:off x="0" y="0"/>
+          <a:ext cx="0" cy="0"/>
+          <a:chOff x="0" y="0"/>
+          <a:chExt cx="0" cy="0"/>
+        </a:xfrm>
+      </p:grpSpPr>
+      <p:sp>
+        <p:nvSpPr>
+          <p:cNvPr id="178" name="Google Shape;178;g20fc52bca11_0_5"/>
           <p:cNvSpPr txBox="1"/>
           <p:nvPr>
             <p:ph type="title"/>
@@ -16382,7 +16924,7 @@
       </p:sp>
       <p:sp>
         <p:nvSpPr>
-          <p:cNvPr id="169" name="Google Shape;169;g20fc52bca11_0_5"/>
+          <p:cNvPr id="179" name="Google Shape;179;g20fc52bca11_0_5"/>
           <p:cNvSpPr txBox="1"/>
           <p:nvPr>
             <p:ph idx="1" type="body"/>
@@ -16596,7 +17138,7 @@
       </p:sp>
       <p:pic>
         <p:nvPicPr>
-          <p:cNvPr id="170" name="Google Shape;170;g20fc52bca11_0_5"/>
+          <p:cNvPr id="180" name="Google Shape;180;g20fc52bca11_0_5"/>
           <p:cNvPicPr preferRelativeResize="0"/>
           <p:nvPr/>
         </p:nvPicPr>
@@ -16623,7 +17165,7 @@
       </p:pic>
       <p:pic>
         <p:nvPicPr>
-          <p:cNvPr id="171" name="Google Shape;171;g20fc52bca11_0_5"/>
+          <p:cNvPr id="181" name="Google Shape;181;g20fc52bca11_0_5"/>
           <p:cNvPicPr preferRelativeResize="0"/>
           <p:nvPr/>
         </p:nvPicPr>
@@ -16650,7 +17192,7 @@
       </p:pic>
       <p:pic>
         <p:nvPicPr>
-          <p:cNvPr id="172" name="Google Shape;172;g20fc52bca11_0_5"/>
+          <p:cNvPr id="182" name="Google Shape;182;g20fc52bca11_0_5"/>
           <p:cNvPicPr preferRelativeResize="0"/>
           <p:nvPr/>
         </p:nvPicPr>
@@ -16677,7 +17219,7 @@
       </p:pic>
       <p:pic>
         <p:nvPicPr>
-          <p:cNvPr id="173" name="Google Shape;173;g20fc52bca11_0_5"/>
+          <p:cNvPr id="183" name="Google Shape;183;g20fc52bca11_0_5"/>
           <p:cNvPicPr preferRelativeResize="0"/>
           <p:nvPr/>
         </p:nvPicPr>
@@ -16704,7 +17246,7 @@
       </p:pic>
       <p:pic>
         <p:nvPicPr>
-          <p:cNvPr id="174" name="Google Shape;174;g20fc52bca11_0_5"/>
+          <p:cNvPr id="184" name="Google Shape;184;g20fc52bca11_0_5"/>
           <p:cNvPicPr preferRelativeResize="0"/>
           <p:nvPr/>
         </p:nvPicPr>
@@ -16731,7 +17273,7 @@
       </p:pic>
       <p:pic>
         <p:nvPicPr>
-          <p:cNvPr id="175" name="Google Shape;175;g20fc52bca11_0_5"/>
+          <p:cNvPr id="185" name="Google Shape;185;g20fc52bca11_0_5"/>
           <p:cNvPicPr preferRelativeResize="0"/>
           <p:nvPr/>
         </p:nvPicPr>
@@ -16764,12 +17306,12 @@
 </p:sld>
 </file>
 
-<file path=ppt/slides/slide7.xml><?xml version="1.0" encoding="utf-8"?>
+<file path=ppt/slides/slide8.xml><?xml version="1.0" encoding="utf-8"?>
 <p:sld xmlns:a="http://schemas.openxmlformats.org/drawingml/2006/main" xmlns:r="http://schemas.openxmlformats.org/officeDocument/2006/relationships" xmlns:mc="http://schemas.openxmlformats.org/markup-compatibility/2006" xmlns:mv="urn:schemas-microsoft-com:mac:vml" xmlns:p="http://schemas.openxmlformats.org/presentationml/2006/main" xmlns:c="http://schemas.openxmlformats.org/drawingml/2006/chart" xmlns:dgm="http://schemas.openxmlformats.org/drawingml/2006/diagram" xmlns:o="urn:schemas-microsoft-com:office:office" xmlns:v="urn:schemas-microsoft-com:vml" xmlns:pvml="urn:schemas-microsoft-com:office:powerpoint" xmlns:com="http://schemas.openxmlformats.org/drawingml/2006/compatibility" xmlns:p14="http://schemas.microsoft.com/office/powerpoint/2010/main" xmlns:p15="http://schemas.microsoft.com/office/powerpoint/2012/main" xmlns:ahyp="http://schemas.microsoft.com/office/drawing/2018/hyperlinkcolor">
   <p:cSld>
     <p:spTree>
       <p:nvGrpSpPr>
-        <p:cNvPr id="179" name="Shape 179"/>
+        <p:cNvPr id="189" name="Shape 189"/>
         <p:cNvGrpSpPr/>
         <p:nvPr/>
       </p:nvGrpSpPr>
@@ -16783,7 +17325,7 @@
       </p:grpSpPr>
       <p:sp>
         <p:nvSpPr>
-          <p:cNvPr id="180" name="Google Shape;180;g1f437762a9f_0_3"/>
+          <p:cNvPr id="190" name="Google Shape;190;g1f437762a9f_0_3"/>
           <p:cNvSpPr txBox="1"/>
           <p:nvPr>
             <p:ph type="title"/>
@@ -16831,7 +17373,7 @@
       </p:sp>
       <p:pic>
         <p:nvPicPr>
-          <p:cNvPr id="181" name="Google Shape;181;g1f437762a9f_0_3"/>
+          <p:cNvPr id="191" name="Google Shape;191;g1f437762a9f_0_3"/>
           <p:cNvPicPr preferRelativeResize="0"/>
           <p:nvPr/>
         </p:nvPicPr>
@@ -16858,7 +17400,7 @@
       </p:pic>
       <p:pic>
         <p:nvPicPr>
-          <p:cNvPr id="182" name="Google Shape;182;g1f437762a9f_0_3"/>
+          <p:cNvPr id="192" name="Google Shape;192;g1f437762a9f_0_3"/>
           <p:cNvPicPr preferRelativeResize="0"/>
           <p:nvPr/>
         </p:nvPicPr>
@@ -16885,7 +17427,7 @@
       </p:pic>
       <p:pic>
         <p:nvPicPr>
-          <p:cNvPr id="183" name="Google Shape;183;g1f437762a9f_0_3"/>
+          <p:cNvPr id="193" name="Google Shape;193;g1f437762a9f_0_3"/>
           <p:cNvPicPr preferRelativeResize="0"/>
           <p:nvPr/>
         </p:nvPicPr>
@@ -16912,7 +17454,7 @@
       </p:pic>
       <p:pic>
         <p:nvPicPr>
-          <p:cNvPr id="184" name="Google Shape;184;g1f437762a9f_0_3"/>
+          <p:cNvPr id="194" name="Google Shape;194;g1f437762a9f_0_3"/>
           <p:cNvPicPr preferRelativeResize="0"/>
           <p:nvPr/>
         </p:nvPicPr>
@@ -16945,12 +17487,12 @@
 </p:sld>
 </file>
 
-<file path=ppt/slides/slide8.xml><?xml version="1.0" encoding="utf-8"?>
+<file path=ppt/slides/slide9.xml><?xml version="1.0" encoding="utf-8"?>
 <p:sld xmlns:a="http://schemas.openxmlformats.org/drawingml/2006/main" xmlns:r="http://schemas.openxmlformats.org/officeDocument/2006/relationships" xmlns:mc="http://schemas.openxmlformats.org/markup-compatibility/2006" xmlns:mv="urn:schemas-microsoft-com:mac:vml" xmlns:p="http://schemas.openxmlformats.org/presentationml/2006/main" xmlns:c="http://schemas.openxmlformats.org/drawingml/2006/chart" xmlns:dgm="http://schemas.openxmlformats.org/drawingml/2006/diagram" xmlns:o="urn:schemas-microsoft-com:office:office" xmlns:v="urn:schemas-microsoft-com:vml" xmlns:pvml="urn:schemas-microsoft-com:office:powerpoint" xmlns:com="http://schemas.openxmlformats.org/drawingml/2006/compatibility" xmlns:p14="http://schemas.microsoft.com/office/powerpoint/2010/main" xmlns:p15="http://schemas.microsoft.com/office/powerpoint/2012/main" xmlns:ahyp="http://schemas.microsoft.com/office/drawing/2018/hyperlinkcolor">
   <p:cSld>
     <p:spTree>
       <p:nvGrpSpPr>
-        <p:cNvPr id="188" name="Shape 188"/>
+        <p:cNvPr id="198" name="Shape 198"/>
         <p:cNvGrpSpPr/>
         <p:nvPr/>
       </p:nvGrpSpPr>
@@ -16964,7 +17506,7 @@
       </p:grpSpPr>
       <p:sp>
         <p:nvSpPr>
-          <p:cNvPr id="189" name="Google Shape;189;g1f5f20614c3_0_24"/>
+          <p:cNvPr id="199" name="Google Shape;199;g1f5f20614c3_0_24"/>
           <p:cNvSpPr txBox="1"/>
           <p:nvPr>
             <p:ph type="title"/>
@@ -17004,7 +17546,7 @@
       </p:sp>
       <p:sp>
         <p:nvSpPr>
-          <p:cNvPr id="190" name="Google Shape;190;g1f5f20614c3_0_24"/>
+          <p:cNvPr id="200" name="Google Shape;200;g1f5f20614c3_0_24"/>
           <p:cNvSpPr txBox="1"/>
           <p:nvPr>
             <p:ph idx="1" type="body"/>
@@ -17239,171 +17781,6 @@
               <a:cs typeface="Times New Roman"/>
               <a:sym typeface="Times New Roman"/>
             </a:endParaRPr>
-          </a:p>
-        </p:txBody>
-      </p:sp>
-    </p:spTree>
-  </p:cSld>
-  <p:clrMapOvr>
-    <a:masterClrMapping/>
-  </p:clrMapOvr>
-</p:sld>
-</file>
-
-<file path=ppt/slides/slide9.xml><?xml version="1.0" encoding="utf-8"?>
-<p:sld xmlns:a="http://schemas.openxmlformats.org/drawingml/2006/main" xmlns:r="http://schemas.openxmlformats.org/officeDocument/2006/relationships" xmlns:mc="http://schemas.openxmlformats.org/markup-compatibility/2006" xmlns:mv="urn:schemas-microsoft-com:mac:vml" xmlns:p="http://schemas.openxmlformats.org/presentationml/2006/main" xmlns:c="http://schemas.openxmlformats.org/drawingml/2006/chart" xmlns:dgm="http://schemas.openxmlformats.org/drawingml/2006/diagram" xmlns:o="urn:schemas-microsoft-com:office:office" xmlns:v="urn:schemas-microsoft-com:vml" xmlns:pvml="urn:schemas-microsoft-com:office:powerpoint" xmlns:com="http://schemas.openxmlformats.org/drawingml/2006/compatibility" xmlns:p14="http://schemas.microsoft.com/office/powerpoint/2010/main" xmlns:p15="http://schemas.microsoft.com/office/powerpoint/2012/main" xmlns:ahyp="http://schemas.microsoft.com/office/drawing/2018/hyperlinkcolor">
-  <p:cSld>
-    <p:spTree>
-      <p:nvGrpSpPr>
-        <p:cNvPr id="194" name="Shape 194"/>
-        <p:cNvGrpSpPr/>
-        <p:nvPr/>
-      </p:nvGrpSpPr>
-      <p:grpSpPr>
-        <a:xfrm>
-          <a:off x="0" y="0"/>
-          <a:ext cx="0" cy="0"/>
-          <a:chOff x="0" y="0"/>
-          <a:chExt cx="0" cy="0"/>
-        </a:xfrm>
-      </p:grpSpPr>
-      <p:sp>
-        <p:nvSpPr>
-          <p:cNvPr id="195" name="Google Shape;195;g1f5fd190fb6_2_0"/>
-          <p:cNvSpPr txBox="1"/>
-          <p:nvPr>
-            <p:ph type="title"/>
-          </p:nvPr>
-        </p:nvSpPr>
-        <p:spPr>
-          <a:xfrm>
-            <a:off x="819150" y="845600"/>
-            <a:ext cx="7505700" cy="954600"/>
-          </a:xfrm>
-          <a:prstGeom prst="rect">
-            <a:avLst/>
-          </a:prstGeom>
-        </p:spPr>
-        <p:txBody>
-          <a:bodyPr anchorCtr="0" anchor="t" bIns="91425" lIns="91425" spcFirstLastPara="1" rIns="91425" wrap="square" tIns="91425">
-            <a:normAutofit/>
-          </a:bodyPr>
-          <a:lstStyle/>
-          <a:p>
-            <a:pPr indent="0" lvl="0" marL="0" rtl="0" algn="l">
-              <a:spcBef>
-                <a:spcPts val="0"/>
-              </a:spcBef>
-              <a:spcAft>
-                <a:spcPts val="0"/>
-              </a:spcAft>
-              <a:buNone/>
-            </a:pPr>
-            <a:r>
-              <a:rPr lang="zh-CN"/>
-              <a:t>Feedback from The Librarians</a:t>
-            </a:r>
-            <a:endParaRPr/>
-          </a:p>
-        </p:txBody>
-      </p:sp>
-      <p:sp>
-        <p:nvSpPr>
-          <p:cNvPr id="196" name="Google Shape;196;g1f5fd190fb6_2_0"/>
-          <p:cNvSpPr txBox="1"/>
-          <p:nvPr>
-            <p:ph idx="1" type="body"/>
-          </p:nvPr>
-        </p:nvSpPr>
-        <p:spPr>
-          <a:xfrm>
-            <a:off x="819150" y="1914525"/>
-            <a:ext cx="7505700" cy="2448000"/>
-          </a:xfrm>
-          <a:prstGeom prst="rect">
-            <a:avLst/>
-          </a:prstGeom>
-        </p:spPr>
-        <p:txBody>
-          <a:bodyPr anchorCtr="0" anchor="t" bIns="91425" lIns="91425" spcFirstLastPara="1" rIns="91425" wrap="square" tIns="91425">
-            <a:normAutofit/>
-          </a:bodyPr>
-          <a:lstStyle/>
-          <a:p>
-            <a:pPr indent="-330200" lvl="0" marL="457200" rtl="0" algn="l">
-              <a:spcBef>
-                <a:spcPts val="0"/>
-              </a:spcBef>
-              <a:spcAft>
-                <a:spcPts val="0"/>
-              </a:spcAft>
-              <a:buSzPts val="1600"/>
-              <a:buChar char="●"/>
-            </a:pPr>
-            <a:r>
-              <a:rPr lang="zh-CN" sz="1600"/>
-              <a:t>Kyle </a:t>
-            </a:r>
-            <a:endParaRPr sz="1600"/>
-          </a:p>
-          <a:p>
-            <a:pPr indent="-330200" lvl="1" marL="914400" rtl="0" algn="l">
-              <a:spcBef>
-                <a:spcPts val="0"/>
-              </a:spcBef>
-              <a:spcAft>
-                <a:spcPts val="0"/>
-              </a:spcAft>
-              <a:buSzPts val="1600"/>
-              <a:buChar char="○"/>
-            </a:pPr>
-            <a:r>
-              <a:rPr lang="zh-CN" sz="1600"/>
-              <a:t>Overall great work so far. Since we have a Flask app as well, I would be interested to see a more detailed Testing Plan. </a:t>
-            </a:r>
-            <a:endParaRPr sz="1600"/>
-          </a:p>
-          <a:p>
-            <a:pPr indent="-330200" lvl="0" marL="457200" rtl="0" algn="l">
-              <a:spcBef>
-                <a:spcPts val="0"/>
-              </a:spcBef>
-              <a:spcAft>
-                <a:spcPts val="0"/>
-              </a:spcAft>
-              <a:buSzPts val="1600"/>
-              <a:buChar char="●"/>
-            </a:pPr>
-            <a:r>
-              <a:rPr lang="zh-CN" sz="1600"/>
-              <a:t>Dexter</a:t>
-            </a:r>
-            <a:endParaRPr sz="1600"/>
-          </a:p>
-          <a:p>
-            <a:pPr indent="-330200" lvl="1" marL="914400" rtl="0" algn="l">
-              <a:spcBef>
-                <a:spcPts val="0"/>
-              </a:spcBef>
-              <a:spcAft>
-                <a:spcPts val="0"/>
-              </a:spcAft>
-              <a:buSzPts val="1600"/>
-              <a:buChar char="○"/>
-            </a:pPr>
-            <a:r>
-              <a:rPr lang="zh-CN" sz="1600"/>
-              <a:t>Great job with the UI. I would love to see more stuff for </a:t>
-            </a:r>
-            <a:r>
-              <a:rPr lang="zh-CN" sz="1600"/>
-              <a:t>accessibility</a:t>
-            </a:r>
-            <a:r>
-              <a:rPr lang="zh-CN" sz="1600"/>
-              <a:t>. Stuff like changing the font size, font color, background color can allow a bigger varieties of users to use the website.</a:t>
-            </a:r>
-            <a:endParaRPr sz="1600"/>
           </a:p>
         </p:txBody>
       </p:sp>
